--- a/AZ-204 - Develop for Azure Compute Solutions - 7 Sep 2023.pptx
+++ b/AZ-204 - Develop for Azure Compute Solutions - 7 Sep 2023.pptx
@@ -5,10 +5,10 @@
     <p:sldMasterId id="2147483648" r:id="rId1"/>
   </p:sldMasterIdLst>
   <p:notesMasterIdLst>
-    <p:notesMasterId r:id="rId8"/>
+    <p:notesMasterId r:id="rId9"/>
   </p:notesMasterIdLst>
   <p:handoutMasterIdLst>
-    <p:handoutMasterId r:id="rId9"/>
+    <p:handoutMasterId r:id="rId10"/>
   </p:handoutMasterIdLst>
   <p:sldIdLst>
     <p:sldId id="265" r:id="rId2"/>
@@ -17,11 +17,12 @@
     <p:sldId id="320" r:id="rId5"/>
     <p:sldId id="321" r:id="rId6"/>
     <p:sldId id="322" r:id="rId7"/>
+    <p:sldId id="323" r:id="rId8"/>
   </p:sldIdLst>
   <p:sldSz cx="12188825" cy="6858000"/>
   <p:notesSz cx="6858000" cy="9144000"/>
   <p:custDataLst>
-    <p:tags r:id="rId10"/>
+    <p:tags r:id="rId11"/>
   </p:custDataLst>
   <p:defaultTextStyle>
     <a:defPPr>
@@ -222,7 +223,7 @@
           <a:p>
             <a:fld id="{59088EAF-6ECA-4616-85EF-35AA19C641F3}" type="datetimeFigureOut">
               <a:rPr lang="en-US"/>
-              <a:t>9/4/2023</a:t>
+              <a:t>9/6/2023</a:t>
             </a:fld>
             <a:endParaRPr/>
           </a:p>
@@ -387,7 +388,7 @@
           <a:p>
             <a:fld id="{3ABD2D7A-D230-4F91-BD59-0A39C2703BA8}" type="datetimeFigureOut">
               <a:rPr lang="en-US"/>
-              <a:t>9/4/2023</a:t>
+              <a:t>9/6/2023</a:t>
             </a:fld>
             <a:endParaRPr/>
           </a:p>
@@ -996,7 +997,7 @@
           <a:p>
             <a:fld id="{03F41C87-7AD9-4845-A077-840E4A0F3F06}" type="datetimeFigureOut">
               <a:rPr lang="en-US"/>
-              <a:t>9/4/2023</a:t>
+              <a:t>9/6/2023</a:t>
             </a:fld>
             <a:endParaRPr/>
           </a:p>
@@ -1188,7 +1189,7 @@
           <a:p>
             <a:fld id="{03F41C87-7AD9-4845-A077-840E4A0F3F06}" type="datetimeFigureOut">
               <a:rPr lang="en-US"/>
-              <a:t>9/4/2023</a:t>
+              <a:t>9/6/2023</a:t>
             </a:fld>
             <a:endParaRPr/>
           </a:p>
@@ -1377,7 +1378,7 @@
           <a:p>
             <a:fld id="{03F41C87-7AD9-4845-A077-840E4A0F3F06}" type="datetimeFigureOut">
               <a:rPr lang="en-US"/>
-              <a:t>9/4/2023</a:t>
+              <a:t>9/6/2023</a:t>
             </a:fld>
             <a:endParaRPr/>
           </a:p>
@@ -1657,7 +1658,7 @@
           <a:p>
             <a:fld id="{03F41C87-7AD9-4845-A077-840E4A0F3F06}" type="datetimeFigureOut">
               <a:rPr lang="en-US"/>
-              <a:t>9/4/2023</a:t>
+              <a:t>9/6/2023</a:t>
             </a:fld>
             <a:endParaRPr/>
           </a:p>
@@ -1961,7 +1962,7 @@
           <a:p>
             <a:fld id="{03F41C87-7AD9-4845-A077-840E4A0F3F06}" type="datetimeFigureOut">
               <a:rPr lang="en-US"/>
-              <a:t>9/4/2023</a:t>
+              <a:t>9/6/2023</a:t>
             </a:fld>
             <a:endParaRPr/>
           </a:p>
@@ -2417,7 +2418,7 @@
           <a:p>
             <a:fld id="{03F41C87-7AD9-4845-A077-840E4A0F3F06}" type="datetimeFigureOut">
               <a:rPr lang="en-US"/>
-              <a:t>9/4/2023</a:t>
+              <a:t>9/6/2023</a:t>
             </a:fld>
             <a:endParaRPr/>
           </a:p>
@@ -2547,7 +2548,7 @@
           <a:p>
             <a:fld id="{03F41C87-7AD9-4845-A077-840E4A0F3F06}" type="datetimeFigureOut">
               <a:rPr lang="en-US"/>
-              <a:t>9/4/2023</a:t>
+              <a:t>9/6/2023</a:t>
             </a:fld>
             <a:endParaRPr/>
           </a:p>
@@ -2662,7 +2663,7 @@
           <a:p>
             <a:fld id="{03F41C87-7AD9-4845-A077-840E4A0F3F06}" type="datetimeFigureOut">
               <a:rPr lang="en-US"/>
-              <a:t>9/4/2023</a:t>
+              <a:t>9/6/2023</a:t>
             </a:fld>
             <a:endParaRPr/>
           </a:p>
@@ -2984,7 +2985,7 @@
           <a:p>
             <a:fld id="{03F41C87-7AD9-4845-A077-840E4A0F3F06}" type="datetimeFigureOut">
               <a:rPr lang="en-US"/>
-              <a:t>9/4/2023</a:t>
+              <a:t>9/6/2023</a:t>
             </a:fld>
             <a:endParaRPr/>
           </a:p>
@@ -3296,7 +3297,7 @@
             <a:fld id="{03F41C87-7AD9-4845-A077-840E4A0F3F06}" type="datetimeFigureOut">
               <a:rPr lang="en-US"/>
               <a:pPr/>
-              <a:t>9/4/2023</a:t>
+              <a:t>9/6/2023</a:t>
             </a:fld>
             <a:endParaRPr/>
           </a:p>
@@ -3550,7 +3551,7 @@
             <a:fld id="{03F41C87-7AD9-4845-A077-840E4A0F3F06}" type="datetimeFigureOut">
               <a:rPr lang="en-US" smtClean="0"/>
               <a:pPr/>
-              <a:t>9/4/2023</a:t>
+              <a:t>9/6/2023</a:t>
             </a:fld>
             <a:endParaRPr lang="en-US"/>
           </a:p>
@@ -5718,8 +5719,8 @@
         </p:nvSpPr>
         <p:spPr>
           <a:xfrm>
-            <a:off x="549417" y="2132856"/>
-            <a:ext cx="4536504" cy="3380128"/>
+            <a:off x="405780" y="2132856"/>
+            <a:ext cx="4824535" cy="3380128"/>
           </a:xfrm>
         </p:spPr>
         <p:txBody>
@@ -5765,14 +5766,14 @@
             <a:pPr lvl="1"/>
             <a:r>
               <a:rPr lang="en-US" dirty="0"/>
-              <a:t>Export from Azure Portal or CLI</a:t>
+              <a:t>Export from Azure Portal, Azure CLI, etc.</a:t>
             </a:r>
           </a:p>
           <a:p>
             <a:pPr lvl="1"/>
             <a:r>
               <a:rPr lang="en-US" dirty="0"/>
-              <a:t>Deploy from Azure Portal or CLI</a:t>
+              <a:t>Deploy from Azure Portal, Azure CLI, etc.</a:t>
             </a:r>
           </a:p>
           <a:p>
@@ -6247,13 +6248,13 @@
   <p:clrMapOvr>
     <a:masterClrMapping/>
   </p:clrMapOvr>
-  <mc:AlternateContent xmlns:mc="http://schemas.openxmlformats.org/markup-compatibility/2006">
-    <mc:Choice xmlns:p14="http://schemas.microsoft.com/office/powerpoint/2010/main" Requires="p14">
+  <mc:AlternateContent xmlns:mc="http://schemas.openxmlformats.org/markup-compatibility/2006" xmlns:p14="http://schemas.microsoft.com/office/powerpoint/2010/main">
+    <mc:Choice Requires="p14">
       <p:transition spd="med" p14:dur="700">
         <p:fade/>
       </p:transition>
     </mc:Choice>
-    <mc:Fallback>
+    <mc:Fallback xmlns="">
       <p:transition spd="med">
         <p:fade/>
       </p:transition>
@@ -6871,13 +6872,13 @@
   <p:clrMapOvr>
     <a:masterClrMapping/>
   </p:clrMapOvr>
-  <mc:AlternateContent xmlns:mc="http://schemas.openxmlformats.org/markup-compatibility/2006">
-    <mc:Choice xmlns:p14="http://schemas.microsoft.com/office/powerpoint/2010/main" Requires="p14">
+  <mc:AlternateContent xmlns:mc="http://schemas.openxmlformats.org/markup-compatibility/2006" xmlns:p14="http://schemas.microsoft.com/office/powerpoint/2010/main">
+    <mc:Choice Requires="p14">
       <p:transition spd="med" p14:dur="700">
         <p:fade/>
       </p:transition>
     </mc:Choice>
-    <mc:Fallback>
+    <mc:Fallback xmlns="">
       <p:transition spd="med">
         <p:fade/>
       </p:transition>
@@ -7934,6 +7935,1214 @@
     <p:extLst>
       <p:ext uri="{BB962C8B-B14F-4D97-AF65-F5344CB8AC3E}">
         <p14:creationId xmlns:p14="http://schemas.microsoft.com/office/powerpoint/2010/main" val="1016185463"/>
+      </p:ext>
+    </p:extLst>
+  </p:cSld>
+  <p:clrMapOvr>
+    <a:masterClrMapping/>
+  </p:clrMapOvr>
+  <mc:AlternateContent xmlns:mc="http://schemas.openxmlformats.org/markup-compatibility/2006" xmlns:p14="http://schemas.microsoft.com/office/powerpoint/2010/main">
+    <mc:Choice Requires="p14">
+      <p:transition spd="med" p14:dur="700">
+        <p:fade/>
+      </p:transition>
+    </mc:Choice>
+    <mc:Fallback xmlns="">
+      <p:transition spd="med">
+        <p:fade/>
+      </p:transition>
+    </mc:Fallback>
+  </mc:AlternateContent>
+</p:sld>
+</file>
+
+<file path=ppt/slides/slide7.xml><?xml version="1.0" encoding="utf-8"?>
+<p:sld xmlns:a="http://schemas.openxmlformats.org/drawingml/2006/main" xmlns:r="http://schemas.openxmlformats.org/officeDocument/2006/relationships" xmlns:p="http://schemas.openxmlformats.org/presentationml/2006/main">
+  <p:cSld>
+    <p:spTree>
+      <p:nvGrpSpPr>
+        <p:cNvPr id="1" name=""/>
+        <p:cNvGrpSpPr/>
+        <p:nvPr/>
+      </p:nvGrpSpPr>
+      <p:grpSpPr>
+        <a:xfrm>
+          <a:off x="0" y="0"/>
+          <a:ext cx="0" cy="0"/>
+          <a:chOff x="0" y="0"/>
+          <a:chExt cx="0" cy="0"/>
+        </a:xfrm>
+      </p:grpSpPr>
+      <p:sp>
+        <p:nvSpPr>
+          <p:cNvPr id="13" name="Title 12"/>
+          <p:cNvSpPr>
+            <a:spLocks noGrp="1"/>
+          </p:cNvSpPr>
+          <p:nvPr>
+            <p:ph type="title"/>
+          </p:nvPr>
+        </p:nvSpPr>
+        <p:spPr/>
+        <p:txBody>
+          <a:bodyPr/>
+          <a:lstStyle/>
+          <a:p>
+            <a:r>
+              <a:rPr lang="en-US" dirty="0"/>
+              <a:t>Creating Azure App Service Web Apps</a:t>
+            </a:r>
+            <a:br>
+              <a:rPr lang="en-US" dirty="0"/>
+            </a:br>
+            <a:endParaRPr lang="en-US" dirty="0"/>
+          </a:p>
+        </p:txBody>
+      </p:sp>
+      <p:sp>
+        <p:nvSpPr>
+          <p:cNvPr id="5" name="Content Placeholder 13">
+            <a:extLst>
+              <a:ext uri="{FF2B5EF4-FFF2-40B4-BE49-F238E27FC236}">
+                <a16:creationId xmlns:a16="http://schemas.microsoft.com/office/drawing/2014/main" id="{D8D74983-7DA4-E3B0-BF28-2C9789FA95DC}"/>
+              </a:ext>
+            </a:extLst>
+          </p:cNvPr>
+          <p:cNvSpPr txBox="1">
+            <a:spLocks/>
+          </p:cNvSpPr>
+          <p:nvPr/>
+        </p:nvSpPr>
+        <p:spPr>
+          <a:xfrm>
+            <a:off x="261764" y="1628800"/>
+            <a:ext cx="4176464" cy="4704976"/>
+          </a:xfrm>
+          <a:prstGeom prst="rect">
+            <a:avLst/>
+          </a:prstGeom>
+        </p:spPr>
+        <p:txBody>
+          <a:bodyPr vert="horz" lIns="91440" tIns="45720" rIns="91440" bIns="45720" rtlCol="0">
+            <a:normAutofit fontScale="77500" lnSpcReduction="20000"/>
+          </a:bodyPr>
+          <a:lstStyle>
+            <a:lvl1pPr marL="223838" indent="-223838" algn="l" defTabSz="914400" rtl="0" eaLnBrk="1" latinLnBrk="0" hangingPunct="1">
+              <a:lnSpc>
+                <a:spcPct val="90000"/>
+              </a:lnSpc>
+              <a:spcBef>
+                <a:spcPts val="1800"/>
+              </a:spcBef>
+              <a:buClr>
+                <a:schemeClr val="accent1"/>
+              </a:buClr>
+              <a:buSzPct val="100000"/>
+              <a:buFont typeface="Arial" pitchFamily="34" charset="0"/>
+              <a:buChar char="•"/>
+              <a:defRPr sz="2400" kern="1200">
+                <a:solidFill>
+                  <a:schemeClr val="tx1"/>
+                </a:solidFill>
+                <a:latin typeface="+mn-lt"/>
+                <a:ea typeface="+mn-ea"/>
+                <a:cs typeface="+mn-cs"/>
+              </a:defRPr>
+            </a:lvl1pPr>
+            <a:lvl2pPr marL="463550" indent="-231775" algn="l" defTabSz="914400" rtl="0" eaLnBrk="1" latinLnBrk="0" hangingPunct="1">
+              <a:lnSpc>
+                <a:spcPct val="90000"/>
+              </a:lnSpc>
+              <a:spcBef>
+                <a:spcPts val="1200"/>
+              </a:spcBef>
+              <a:buClr>
+                <a:schemeClr val="accent1"/>
+              </a:buClr>
+              <a:buSzPct val="100000"/>
+              <a:buFont typeface="Arial" pitchFamily="34" charset="0"/>
+              <a:buChar char="•"/>
+              <a:defRPr sz="2000" kern="1200">
+                <a:solidFill>
+                  <a:schemeClr val="tx1"/>
+                </a:solidFill>
+                <a:latin typeface="+mn-lt"/>
+                <a:ea typeface="+mn-ea"/>
+                <a:cs typeface="+mn-cs"/>
+              </a:defRPr>
+            </a:lvl2pPr>
+            <a:lvl3pPr marL="682625" indent="-219075" algn="l" defTabSz="914400" rtl="0" eaLnBrk="1" latinLnBrk="0" hangingPunct="1">
+              <a:lnSpc>
+                <a:spcPct val="90000"/>
+              </a:lnSpc>
+              <a:spcBef>
+                <a:spcPts val="600"/>
+              </a:spcBef>
+              <a:buClr>
+                <a:schemeClr val="accent1"/>
+              </a:buClr>
+              <a:buSzPct val="100000"/>
+              <a:buFont typeface="Arial" pitchFamily="34" charset="0"/>
+              <a:buChar char="•"/>
+              <a:defRPr sz="1800" kern="1200">
+                <a:solidFill>
+                  <a:schemeClr val="tx1"/>
+                </a:solidFill>
+                <a:latin typeface="+mn-lt"/>
+                <a:ea typeface="+mn-ea"/>
+                <a:cs typeface="+mn-cs"/>
+              </a:defRPr>
+            </a:lvl3pPr>
+            <a:lvl4pPr marL="857250" indent="-174625" algn="l" defTabSz="914400" rtl="0" eaLnBrk="1" latinLnBrk="0" hangingPunct="1">
+              <a:lnSpc>
+                <a:spcPct val="90000"/>
+              </a:lnSpc>
+              <a:spcBef>
+                <a:spcPts val="600"/>
+              </a:spcBef>
+              <a:buClr>
+                <a:schemeClr val="accent1"/>
+              </a:buClr>
+              <a:buSzPct val="100000"/>
+              <a:buFont typeface="Arial" pitchFamily="34" charset="0"/>
+              <a:buChar char="•"/>
+              <a:defRPr sz="1600" kern="1200">
+                <a:solidFill>
+                  <a:schemeClr val="tx1"/>
+                </a:solidFill>
+                <a:latin typeface="+mn-lt"/>
+                <a:ea typeface="+mn-ea"/>
+                <a:cs typeface="+mn-cs"/>
+              </a:defRPr>
+            </a:lvl4pPr>
+            <a:lvl5pPr marL="1030288" indent="-173038" algn="l" defTabSz="914400" rtl="0" eaLnBrk="1" latinLnBrk="0" hangingPunct="1">
+              <a:lnSpc>
+                <a:spcPct val="90000"/>
+              </a:lnSpc>
+              <a:spcBef>
+                <a:spcPts val="600"/>
+              </a:spcBef>
+              <a:buClr>
+                <a:schemeClr val="accent1"/>
+              </a:buClr>
+              <a:buSzPct val="100000"/>
+              <a:buFont typeface="Arial" pitchFamily="34" charset="0"/>
+              <a:buChar char="•"/>
+              <a:defRPr sz="1600" kern="1200">
+                <a:solidFill>
+                  <a:schemeClr val="tx1"/>
+                </a:solidFill>
+                <a:latin typeface="+mn-lt"/>
+                <a:ea typeface="+mn-ea"/>
+                <a:cs typeface="+mn-cs"/>
+              </a:defRPr>
+            </a:lvl5pPr>
+            <a:lvl6pPr marL="1207008" indent="-173736" algn="l" defTabSz="914400" rtl="0" eaLnBrk="1" latinLnBrk="0" hangingPunct="1">
+              <a:spcBef>
+                <a:spcPts val="600"/>
+              </a:spcBef>
+              <a:buClr>
+                <a:schemeClr val="accent1"/>
+              </a:buClr>
+              <a:buFont typeface="Arial" pitchFamily="34" charset="0"/>
+              <a:buChar char="•"/>
+              <a:defRPr sz="1600" kern="1200">
+                <a:solidFill>
+                  <a:schemeClr val="tx1"/>
+                </a:solidFill>
+                <a:latin typeface="+mn-lt"/>
+                <a:ea typeface="+mn-ea"/>
+                <a:cs typeface="+mn-cs"/>
+              </a:defRPr>
+            </a:lvl6pPr>
+            <a:lvl7pPr marL="1380744" indent="-173736" algn="l" defTabSz="914400" rtl="0" eaLnBrk="1" latinLnBrk="0" hangingPunct="1">
+              <a:spcBef>
+                <a:spcPts val="600"/>
+              </a:spcBef>
+              <a:buClr>
+                <a:schemeClr val="accent1"/>
+              </a:buClr>
+              <a:buFont typeface="Arial" pitchFamily="34" charset="0"/>
+              <a:buChar char="•"/>
+              <a:defRPr sz="1600" kern="1200">
+                <a:solidFill>
+                  <a:schemeClr val="tx1"/>
+                </a:solidFill>
+                <a:latin typeface="+mn-lt"/>
+                <a:ea typeface="+mn-ea"/>
+                <a:cs typeface="+mn-cs"/>
+              </a:defRPr>
+            </a:lvl7pPr>
+            <a:lvl8pPr marL="1554480" indent="-173736" algn="l" defTabSz="914400" rtl="0" eaLnBrk="1" latinLnBrk="0" hangingPunct="1">
+              <a:spcBef>
+                <a:spcPts val="600"/>
+              </a:spcBef>
+              <a:buClr>
+                <a:schemeClr val="accent1"/>
+              </a:buClr>
+              <a:buFont typeface="Arial" pitchFamily="34" charset="0"/>
+              <a:buChar char="•"/>
+              <a:defRPr sz="1600" kern="1200">
+                <a:solidFill>
+                  <a:schemeClr val="tx1"/>
+                </a:solidFill>
+                <a:latin typeface="+mn-lt"/>
+                <a:ea typeface="+mn-ea"/>
+                <a:cs typeface="+mn-cs"/>
+              </a:defRPr>
+            </a:lvl8pPr>
+            <a:lvl9pPr marL="1728216" indent="-173736" algn="l" defTabSz="914400" rtl="0" eaLnBrk="1" latinLnBrk="0" hangingPunct="1">
+              <a:spcBef>
+                <a:spcPts val="600"/>
+              </a:spcBef>
+              <a:buClr>
+                <a:schemeClr val="accent1"/>
+              </a:buClr>
+              <a:buFont typeface="Arial" pitchFamily="34" charset="0"/>
+              <a:buChar char="•"/>
+              <a:defRPr sz="1600" kern="1200">
+                <a:solidFill>
+                  <a:schemeClr val="tx1"/>
+                </a:solidFill>
+                <a:latin typeface="+mn-lt"/>
+                <a:ea typeface="+mn-ea"/>
+                <a:cs typeface="+mn-cs"/>
+              </a:defRPr>
+            </a:lvl9pPr>
+          </a:lstStyle>
+          <a:p>
+            <a:r>
+              <a:rPr lang="en-US" dirty="0"/>
+              <a:t>Azure App Service</a:t>
+            </a:r>
+            <a:endParaRPr lang="en-US" dirty="0">
+              <a:solidFill>
+                <a:schemeClr val="tx1">
+                  <a:lumMod val="50000"/>
+                </a:schemeClr>
+              </a:solidFill>
+            </a:endParaRPr>
+          </a:p>
+          <a:p>
+            <a:pPr lvl="1"/>
+            <a:r>
+              <a:rPr lang="en-US" dirty="0"/>
+              <a:t>Http-based service for hosting web apps</a:t>
+            </a:r>
+          </a:p>
+          <a:p>
+            <a:pPr lvl="1"/>
+            <a:r>
+              <a:rPr lang="en-US" b="0" i="0" dirty="0">
+                <a:effectLst/>
+                <a:latin typeface="PS TT Commons Roman"/>
+              </a:rPr>
+              <a:t>Advanced version of web posting</a:t>
+            </a:r>
+          </a:p>
+          <a:p>
+            <a:pPr lvl="1"/>
+            <a:r>
+              <a:rPr lang="en-US" dirty="0">
+                <a:latin typeface="PS TT Commons Roman"/>
+              </a:rPr>
+              <a:t>Apps run and scale on Windows and Linux</a:t>
+            </a:r>
+          </a:p>
+          <a:p>
+            <a:pPr lvl="1"/>
+            <a:r>
+              <a:rPr lang="en-US" b="0" i="0" dirty="0">
+                <a:effectLst/>
+                <a:latin typeface="PS TT Commons Roman"/>
+              </a:rPr>
+              <a:t>Web app frameworks: </a:t>
+            </a:r>
+            <a:r>
+              <a:rPr lang="en-US" b="0" i="0" dirty="0" err="1">
+                <a:effectLst/>
+                <a:latin typeface="PS TT Commons Roman"/>
+              </a:rPr>
+              <a:t>AspNet</a:t>
+            </a:r>
+            <a:r>
+              <a:rPr lang="en-US" b="0" i="0" dirty="0">
+                <a:effectLst/>
+                <a:latin typeface="PS TT Commons Roman"/>
+              </a:rPr>
+              <a:t>, </a:t>
+            </a:r>
+            <a:r>
+              <a:rPr lang="en-US" b="0" i="0" dirty="0" err="1">
+                <a:effectLst/>
+                <a:latin typeface="PS TT Commons Roman"/>
+              </a:rPr>
+              <a:t>AspNetCore</a:t>
+            </a:r>
+            <a:r>
+              <a:rPr lang="en-US" b="0" i="0" dirty="0">
+                <a:effectLst/>
+                <a:latin typeface="PS TT Commons Roman"/>
+              </a:rPr>
+              <a:t>, </a:t>
+            </a:r>
+            <a:r>
+              <a:rPr lang="en-US" b="0" i="0" dirty="0" err="1">
+                <a:effectLst/>
+                <a:latin typeface="PS TT Commons Roman"/>
+              </a:rPr>
+              <a:t>NodeJs</a:t>
+            </a:r>
+            <a:r>
+              <a:rPr lang="en-US" b="0" i="0" dirty="0">
+                <a:effectLst/>
+                <a:latin typeface="PS TT Commons Roman"/>
+              </a:rPr>
+              <a:t>, Python, </a:t>
+            </a:r>
+            <a:r>
+              <a:rPr lang="en-US" b="0" i="0" dirty="0" err="1">
+                <a:effectLst/>
+                <a:latin typeface="PS TT Commons Roman"/>
+              </a:rPr>
+              <a:t>Php</a:t>
+            </a:r>
+            <a:r>
+              <a:rPr lang="en-US" b="0" i="0" dirty="0">
+                <a:effectLst/>
+                <a:latin typeface="PS TT Commons Roman"/>
+              </a:rPr>
+              <a:t>, etc.</a:t>
+            </a:r>
+          </a:p>
+          <a:p>
+            <a:pPr lvl="1"/>
+            <a:r>
+              <a:rPr lang="en-US" dirty="0">
+                <a:latin typeface="PS TT Commons Roman"/>
+              </a:rPr>
+              <a:t>Security, load balancing &amp; automation</a:t>
+            </a:r>
+          </a:p>
+          <a:p>
+            <a:pPr lvl="1"/>
+            <a:r>
+              <a:rPr lang="en-US" dirty="0">
+                <a:latin typeface="PS TT Commons Roman"/>
+              </a:rPr>
+              <a:t>App Service web app runs under App Service Plan</a:t>
+            </a:r>
+          </a:p>
+          <a:p>
+            <a:pPr lvl="1"/>
+            <a:r>
+              <a:rPr lang="en-US" dirty="0">
+                <a:latin typeface="PS TT Commons Roman"/>
+              </a:rPr>
+              <a:t>VMs are behind App Service Plan</a:t>
+            </a:r>
+          </a:p>
+          <a:p>
+            <a:pPr lvl="2"/>
+            <a:r>
+              <a:rPr lang="en-US" dirty="0">
+                <a:latin typeface="PS TT Commons Roman"/>
+              </a:rPr>
+              <a:t>Managed by Microsoft in terms of patching, high availability, security, etc.</a:t>
+            </a:r>
+          </a:p>
+          <a:p>
+            <a:pPr lvl="1"/>
+            <a:r>
+              <a:rPr lang="en-US" b="0" i="0" dirty="0">
+                <a:effectLst/>
+                <a:latin typeface="PS TT Commons Roman"/>
+              </a:rPr>
+              <a:t>Costs use are determined by the App Service Plan</a:t>
+            </a:r>
+          </a:p>
+          <a:p>
+            <a:pPr lvl="1"/>
+            <a:r>
+              <a:rPr lang="en-US" dirty="0">
+                <a:latin typeface="PS TT Commons Roman"/>
+              </a:rPr>
+              <a:t>Two App Service Plan Types</a:t>
+            </a:r>
+          </a:p>
+          <a:p>
+            <a:pPr lvl="2"/>
+            <a:r>
+              <a:rPr lang="en-US" b="0" i="0" dirty="0">
+                <a:effectLst/>
+                <a:latin typeface="PS TT Commons Roman"/>
+              </a:rPr>
+              <a:t>Non-Isolated</a:t>
+            </a:r>
+          </a:p>
+          <a:p>
+            <a:pPr lvl="2"/>
+            <a:r>
+              <a:rPr lang="en-US" dirty="0">
+                <a:latin typeface="PS TT Commons Roman"/>
+              </a:rPr>
+              <a:t>Isolated</a:t>
+            </a:r>
+            <a:endParaRPr lang="en-US" b="0" i="0" dirty="0">
+              <a:effectLst/>
+              <a:latin typeface="PS TT Commons Roman"/>
+            </a:endParaRPr>
+          </a:p>
+          <a:p>
+            <a:pPr lvl="2"/>
+            <a:endParaRPr lang="en-US" b="0" i="0" dirty="0">
+              <a:effectLst/>
+              <a:latin typeface="PS TT Commons Roman"/>
+            </a:endParaRPr>
+          </a:p>
+          <a:p>
+            <a:pPr lvl="2"/>
+            <a:endParaRPr lang="en-US" b="0" i="0" dirty="0">
+              <a:effectLst/>
+              <a:latin typeface="PS TT Commons Roman"/>
+            </a:endParaRPr>
+          </a:p>
+          <a:p>
+            <a:pPr lvl="1"/>
+            <a:endParaRPr lang="en-US" dirty="0"/>
+          </a:p>
+        </p:txBody>
+      </p:sp>
+      <p:sp>
+        <p:nvSpPr>
+          <p:cNvPr id="6" name="Content Placeholder 13">
+            <a:extLst>
+              <a:ext uri="{FF2B5EF4-FFF2-40B4-BE49-F238E27FC236}">
+                <a16:creationId xmlns:a16="http://schemas.microsoft.com/office/drawing/2014/main" id="{4161E3DC-771B-4A70-BCCE-118B8BC223C2}"/>
+              </a:ext>
+            </a:extLst>
+          </p:cNvPr>
+          <p:cNvSpPr txBox="1">
+            <a:spLocks/>
+          </p:cNvSpPr>
+          <p:nvPr/>
+        </p:nvSpPr>
+        <p:spPr>
+          <a:xfrm>
+            <a:off x="4591118" y="1604344"/>
+            <a:ext cx="3231486" cy="4560960"/>
+          </a:xfrm>
+          <a:prstGeom prst="rect">
+            <a:avLst/>
+          </a:prstGeom>
+        </p:spPr>
+        <p:txBody>
+          <a:bodyPr vert="horz" lIns="91440" tIns="45720" rIns="91440" bIns="45720" rtlCol="0">
+            <a:normAutofit fontScale="62500" lnSpcReduction="20000"/>
+          </a:bodyPr>
+          <a:lstStyle>
+            <a:lvl1pPr marL="223838" indent="-223838" algn="l" defTabSz="914400" rtl="0" eaLnBrk="1" latinLnBrk="0" hangingPunct="1">
+              <a:lnSpc>
+                <a:spcPct val="90000"/>
+              </a:lnSpc>
+              <a:spcBef>
+                <a:spcPts val="1800"/>
+              </a:spcBef>
+              <a:buClr>
+                <a:schemeClr val="accent1"/>
+              </a:buClr>
+              <a:buSzPct val="100000"/>
+              <a:buFont typeface="Arial" pitchFamily="34" charset="0"/>
+              <a:buChar char="•"/>
+              <a:defRPr sz="2400" kern="1200">
+                <a:solidFill>
+                  <a:schemeClr val="tx1"/>
+                </a:solidFill>
+                <a:latin typeface="+mn-lt"/>
+                <a:ea typeface="+mn-ea"/>
+                <a:cs typeface="+mn-cs"/>
+              </a:defRPr>
+            </a:lvl1pPr>
+            <a:lvl2pPr marL="463550" indent="-231775" algn="l" defTabSz="914400" rtl="0" eaLnBrk="1" latinLnBrk="0" hangingPunct="1">
+              <a:lnSpc>
+                <a:spcPct val="90000"/>
+              </a:lnSpc>
+              <a:spcBef>
+                <a:spcPts val="1200"/>
+              </a:spcBef>
+              <a:buClr>
+                <a:schemeClr val="accent1"/>
+              </a:buClr>
+              <a:buSzPct val="100000"/>
+              <a:buFont typeface="Arial" pitchFamily="34" charset="0"/>
+              <a:buChar char="•"/>
+              <a:defRPr sz="2000" kern="1200">
+                <a:solidFill>
+                  <a:schemeClr val="tx1"/>
+                </a:solidFill>
+                <a:latin typeface="+mn-lt"/>
+                <a:ea typeface="+mn-ea"/>
+                <a:cs typeface="+mn-cs"/>
+              </a:defRPr>
+            </a:lvl2pPr>
+            <a:lvl3pPr marL="682625" indent="-219075" algn="l" defTabSz="914400" rtl="0" eaLnBrk="1" latinLnBrk="0" hangingPunct="1">
+              <a:lnSpc>
+                <a:spcPct val="90000"/>
+              </a:lnSpc>
+              <a:spcBef>
+                <a:spcPts val="600"/>
+              </a:spcBef>
+              <a:buClr>
+                <a:schemeClr val="accent1"/>
+              </a:buClr>
+              <a:buSzPct val="100000"/>
+              <a:buFont typeface="Arial" pitchFamily="34" charset="0"/>
+              <a:buChar char="•"/>
+              <a:defRPr sz="1800" kern="1200">
+                <a:solidFill>
+                  <a:schemeClr val="tx1"/>
+                </a:solidFill>
+                <a:latin typeface="+mn-lt"/>
+                <a:ea typeface="+mn-ea"/>
+                <a:cs typeface="+mn-cs"/>
+              </a:defRPr>
+            </a:lvl3pPr>
+            <a:lvl4pPr marL="857250" indent="-174625" algn="l" defTabSz="914400" rtl="0" eaLnBrk="1" latinLnBrk="0" hangingPunct="1">
+              <a:lnSpc>
+                <a:spcPct val="90000"/>
+              </a:lnSpc>
+              <a:spcBef>
+                <a:spcPts val="600"/>
+              </a:spcBef>
+              <a:buClr>
+                <a:schemeClr val="accent1"/>
+              </a:buClr>
+              <a:buSzPct val="100000"/>
+              <a:buFont typeface="Arial" pitchFamily="34" charset="0"/>
+              <a:buChar char="•"/>
+              <a:defRPr sz="1600" kern="1200">
+                <a:solidFill>
+                  <a:schemeClr val="tx1"/>
+                </a:solidFill>
+                <a:latin typeface="+mn-lt"/>
+                <a:ea typeface="+mn-ea"/>
+                <a:cs typeface="+mn-cs"/>
+              </a:defRPr>
+            </a:lvl4pPr>
+            <a:lvl5pPr marL="1030288" indent="-173038" algn="l" defTabSz="914400" rtl="0" eaLnBrk="1" latinLnBrk="0" hangingPunct="1">
+              <a:lnSpc>
+                <a:spcPct val="90000"/>
+              </a:lnSpc>
+              <a:spcBef>
+                <a:spcPts val="600"/>
+              </a:spcBef>
+              <a:buClr>
+                <a:schemeClr val="accent1"/>
+              </a:buClr>
+              <a:buSzPct val="100000"/>
+              <a:buFont typeface="Arial" pitchFamily="34" charset="0"/>
+              <a:buChar char="•"/>
+              <a:defRPr sz="1600" kern="1200">
+                <a:solidFill>
+                  <a:schemeClr val="tx1"/>
+                </a:solidFill>
+                <a:latin typeface="+mn-lt"/>
+                <a:ea typeface="+mn-ea"/>
+                <a:cs typeface="+mn-cs"/>
+              </a:defRPr>
+            </a:lvl5pPr>
+            <a:lvl6pPr marL="1207008" indent="-173736" algn="l" defTabSz="914400" rtl="0" eaLnBrk="1" latinLnBrk="0" hangingPunct="1">
+              <a:spcBef>
+                <a:spcPts val="600"/>
+              </a:spcBef>
+              <a:buClr>
+                <a:schemeClr val="accent1"/>
+              </a:buClr>
+              <a:buFont typeface="Arial" pitchFamily="34" charset="0"/>
+              <a:buChar char="•"/>
+              <a:defRPr sz="1600" kern="1200">
+                <a:solidFill>
+                  <a:schemeClr val="tx1"/>
+                </a:solidFill>
+                <a:latin typeface="+mn-lt"/>
+                <a:ea typeface="+mn-ea"/>
+                <a:cs typeface="+mn-cs"/>
+              </a:defRPr>
+            </a:lvl6pPr>
+            <a:lvl7pPr marL="1380744" indent="-173736" algn="l" defTabSz="914400" rtl="0" eaLnBrk="1" latinLnBrk="0" hangingPunct="1">
+              <a:spcBef>
+                <a:spcPts val="600"/>
+              </a:spcBef>
+              <a:buClr>
+                <a:schemeClr val="accent1"/>
+              </a:buClr>
+              <a:buFont typeface="Arial" pitchFamily="34" charset="0"/>
+              <a:buChar char="•"/>
+              <a:defRPr sz="1600" kern="1200">
+                <a:solidFill>
+                  <a:schemeClr val="tx1"/>
+                </a:solidFill>
+                <a:latin typeface="+mn-lt"/>
+                <a:ea typeface="+mn-ea"/>
+                <a:cs typeface="+mn-cs"/>
+              </a:defRPr>
+            </a:lvl7pPr>
+            <a:lvl8pPr marL="1554480" indent="-173736" algn="l" defTabSz="914400" rtl="0" eaLnBrk="1" latinLnBrk="0" hangingPunct="1">
+              <a:spcBef>
+                <a:spcPts val="600"/>
+              </a:spcBef>
+              <a:buClr>
+                <a:schemeClr val="accent1"/>
+              </a:buClr>
+              <a:buFont typeface="Arial" pitchFamily="34" charset="0"/>
+              <a:buChar char="•"/>
+              <a:defRPr sz="1600" kern="1200">
+                <a:solidFill>
+                  <a:schemeClr val="tx1"/>
+                </a:solidFill>
+                <a:latin typeface="+mn-lt"/>
+                <a:ea typeface="+mn-ea"/>
+                <a:cs typeface="+mn-cs"/>
+              </a:defRPr>
+            </a:lvl8pPr>
+            <a:lvl9pPr marL="1728216" indent="-173736" algn="l" defTabSz="914400" rtl="0" eaLnBrk="1" latinLnBrk="0" hangingPunct="1">
+              <a:spcBef>
+                <a:spcPts val="600"/>
+              </a:spcBef>
+              <a:buClr>
+                <a:schemeClr val="accent1"/>
+              </a:buClr>
+              <a:buFont typeface="Arial" pitchFamily="34" charset="0"/>
+              <a:buChar char="•"/>
+              <a:defRPr sz="1600" kern="1200">
+                <a:solidFill>
+                  <a:schemeClr val="tx1"/>
+                </a:solidFill>
+                <a:latin typeface="+mn-lt"/>
+                <a:ea typeface="+mn-ea"/>
+                <a:cs typeface="+mn-cs"/>
+              </a:defRPr>
+            </a:lvl9pPr>
+          </a:lstStyle>
+          <a:p>
+            <a:r>
+              <a:rPr lang="en-US" dirty="0"/>
+              <a:t>Non-Isolated Plan</a:t>
+            </a:r>
+          </a:p>
+          <a:p>
+            <a:pPr lvl="1"/>
+            <a:r>
+              <a:rPr lang="en-US" dirty="0"/>
+              <a:t>Users access Web App over internet</a:t>
+            </a:r>
+          </a:p>
+          <a:p>
+            <a:pPr lvl="1"/>
+            <a:r>
+              <a:rPr lang="en-US" dirty="0"/>
+              <a:t>Does NOT run in private VNET</a:t>
+            </a:r>
+          </a:p>
+          <a:p>
+            <a:pPr lvl="1"/>
+            <a:r>
+              <a:rPr lang="en-US" dirty="0"/>
+              <a:t>Free and Shared Plans (F1, D1)</a:t>
+            </a:r>
+          </a:p>
+          <a:p>
+            <a:pPr lvl="2"/>
+            <a:r>
+              <a:rPr lang="en-US" dirty="0"/>
+              <a:t>Run in shared infra with other customers and low spec resources</a:t>
+            </a:r>
+          </a:p>
+          <a:p>
+            <a:pPr lvl="2"/>
+            <a:r>
+              <a:rPr lang="en-US" dirty="0"/>
+              <a:t>Not suitable for Prod (not secure or scalable enough)</a:t>
+            </a:r>
+          </a:p>
+          <a:p>
+            <a:pPr lvl="1"/>
+            <a:r>
+              <a:rPr lang="en-US" dirty="0"/>
+              <a:t>Basic (B1, B2, B3)</a:t>
+            </a:r>
+          </a:p>
+          <a:p>
+            <a:pPr lvl="2"/>
+            <a:r>
+              <a:rPr lang="en-US" dirty="0"/>
+              <a:t>Low traffic requirements</a:t>
+            </a:r>
+          </a:p>
+          <a:p>
+            <a:pPr lvl="2"/>
+            <a:r>
+              <a:rPr lang="en-US" dirty="0"/>
+              <a:t>Don’t need advanced auto scaling or traffic management features</a:t>
+            </a:r>
+          </a:p>
+          <a:p>
+            <a:pPr lvl="2"/>
+            <a:r>
+              <a:rPr lang="en-US" dirty="0"/>
+              <a:t>For more robust Dev and Test scenarios</a:t>
+            </a:r>
+          </a:p>
+          <a:p>
+            <a:pPr lvl="1"/>
+            <a:r>
+              <a:rPr lang="en-US" dirty="0"/>
+              <a:t>Standard (S1, S2, S3)</a:t>
+            </a:r>
+          </a:p>
+          <a:p>
+            <a:pPr lvl="2"/>
+            <a:r>
+              <a:rPr lang="en-US" dirty="0"/>
+              <a:t>For </a:t>
+            </a:r>
+            <a:r>
+              <a:rPr lang="en-US" dirty="0">
+                <a:solidFill>
+                  <a:schemeClr val="accent2">
+                    <a:lumMod val="75000"/>
+                  </a:schemeClr>
+                </a:solidFill>
+              </a:rPr>
+              <a:t>Production</a:t>
+            </a:r>
+            <a:r>
+              <a:rPr lang="en-US" dirty="0"/>
+              <a:t> workloads</a:t>
+            </a:r>
+          </a:p>
+          <a:p>
+            <a:pPr lvl="2"/>
+            <a:r>
+              <a:rPr lang="en-US" dirty="0"/>
+              <a:t>Pricing based on number of instances running</a:t>
+            </a:r>
+          </a:p>
+          <a:p>
+            <a:pPr lvl="2"/>
+            <a:r>
+              <a:rPr lang="en-US" dirty="0"/>
+              <a:t>Start with S1 and scale-up as needed</a:t>
+            </a:r>
+          </a:p>
+          <a:p>
+            <a:pPr lvl="1"/>
+            <a:r>
+              <a:rPr lang="en-US" dirty="0"/>
+              <a:t>Premium v2/v3 (P1v2 - P3v3)</a:t>
+            </a:r>
+          </a:p>
+          <a:p>
+            <a:pPr lvl="2"/>
+            <a:r>
+              <a:rPr lang="en-US" dirty="0"/>
+              <a:t>Enhanced performance for </a:t>
+            </a:r>
+            <a:r>
+              <a:rPr lang="en-US" dirty="0">
+                <a:solidFill>
+                  <a:schemeClr val="accent2">
+                    <a:lumMod val="75000"/>
+                  </a:schemeClr>
+                </a:solidFill>
+              </a:rPr>
+              <a:t>Production</a:t>
+            </a:r>
+            <a:r>
+              <a:rPr lang="en-US" dirty="0"/>
+              <a:t> web apps</a:t>
+            </a:r>
+          </a:p>
+          <a:p>
+            <a:pPr lvl="2"/>
+            <a:endParaRPr lang="en-US" dirty="0"/>
+          </a:p>
+          <a:p>
+            <a:pPr lvl="1"/>
+            <a:endParaRPr lang="en-US" dirty="0"/>
+          </a:p>
+          <a:p>
+            <a:pPr lvl="1"/>
+            <a:endParaRPr lang="en-US" dirty="0"/>
+          </a:p>
+          <a:p>
+            <a:pPr marL="806450" lvl="2" indent="-342900">
+              <a:buFont typeface="+mj-lt"/>
+              <a:buAutoNum type="arabicPeriod"/>
+            </a:pPr>
+            <a:endParaRPr lang="en-US" b="0" i="0" dirty="0">
+              <a:effectLst/>
+              <a:latin typeface="PS TT Commons Roman"/>
+            </a:endParaRPr>
+          </a:p>
+          <a:p>
+            <a:pPr marL="806450" lvl="2" indent="-342900">
+              <a:buFont typeface="+mj-lt"/>
+              <a:buAutoNum type="arabicPeriod"/>
+            </a:pPr>
+            <a:endParaRPr lang="en-US" b="0" i="0" dirty="0">
+              <a:effectLst/>
+              <a:latin typeface="PS TT Commons Roman"/>
+            </a:endParaRPr>
+          </a:p>
+          <a:p>
+            <a:pPr marL="806450" lvl="2" indent="-342900">
+              <a:buFont typeface="+mj-lt"/>
+              <a:buAutoNum type="arabicPeriod"/>
+            </a:pPr>
+            <a:endParaRPr lang="en-US" b="0" i="0" dirty="0">
+              <a:effectLst/>
+              <a:latin typeface="PS TT Commons Roman"/>
+            </a:endParaRPr>
+          </a:p>
+          <a:p>
+            <a:pPr lvl="1"/>
+            <a:endParaRPr lang="en-US" dirty="0"/>
+          </a:p>
+        </p:txBody>
+      </p:sp>
+      <p:sp>
+        <p:nvSpPr>
+          <p:cNvPr id="2" name="Content Placeholder 13">
+            <a:extLst>
+              <a:ext uri="{FF2B5EF4-FFF2-40B4-BE49-F238E27FC236}">
+                <a16:creationId xmlns:a16="http://schemas.microsoft.com/office/drawing/2014/main" id="{64766CA5-7D26-001E-FBD8-0BD98C666017}"/>
+              </a:ext>
+            </a:extLst>
+          </p:cNvPr>
+          <p:cNvSpPr txBox="1">
+            <a:spLocks/>
+          </p:cNvSpPr>
+          <p:nvPr/>
+        </p:nvSpPr>
+        <p:spPr>
+          <a:xfrm>
+            <a:off x="8110636" y="1628800"/>
+            <a:ext cx="3600400" cy="3696864"/>
+          </a:xfrm>
+          <a:prstGeom prst="rect">
+            <a:avLst/>
+          </a:prstGeom>
+        </p:spPr>
+        <p:txBody>
+          <a:bodyPr vert="horz" lIns="91440" tIns="45720" rIns="91440" bIns="45720" rtlCol="0">
+            <a:normAutofit fontScale="70000" lnSpcReduction="20000"/>
+          </a:bodyPr>
+          <a:lstStyle>
+            <a:lvl1pPr marL="223838" indent="-223838" algn="l" defTabSz="914400" rtl="0" eaLnBrk="1" latinLnBrk="0" hangingPunct="1">
+              <a:lnSpc>
+                <a:spcPct val="90000"/>
+              </a:lnSpc>
+              <a:spcBef>
+                <a:spcPts val="1800"/>
+              </a:spcBef>
+              <a:buClr>
+                <a:schemeClr val="accent1"/>
+              </a:buClr>
+              <a:buSzPct val="100000"/>
+              <a:buFont typeface="Arial" pitchFamily="34" charset="0"/>
+              <a:buChar char="•"/>
+              <a:defRPr sz="2400" kern="1200">
+                <a:solidFill>
+                  <a:schemeClr val="tx1"/>
+                </a:solidFill>
+                <a:latin typeface="+mn-lt"/>
+                <a:ea typeface="+mn-ea"/>
+                <a:cs typeface="+mn-cs"/>
+              </a:defRPr>
+            </a:lvl1pPr>
+            <a:lvl2pPr marL="463550" indent="-231775" algn="l" defTabSz="914400" rtl="0" eaLnBrk="1" latinLnBrk="0" hangingPunct="1">
+              <a:lnSpc>
+                <a:spcPct val="90000"/>
+              </a:lnSpc>
+              <a:spcBef>
+                <a:spcPts val="1200"/>
+              </a:spcBef>
+              <a:buClr>
+                <a:schemeClr val="accent1"/>
+              </a:buClr>
+              <a:buSzPct val="100000"/>
+              <a:buFont typeface="Arial" pitchFamily="34" charset="0"/>
+              <a:buChar char="•"/>
+              <a:defRPr sz="2000" kern="1200">
+                <a:solidFill>
+                  <a:schemeClr val="tx1"/>
+                </a:solidFill>
+                <a:latin typeface="+mn-lt"/>
+                <a:ea typeface="+mn-ea"/>
+                <a:cs typeface="+mn-cs"/>
+              </a:defRPr>
+            </a:lvl2pPr>
+            <a:lvl3pPr marL="682625" indent="-219075" algn="l" defTabSz="914400" rtl="0" eaLnBrk="1" latinLnBrk="0" hangingPunct="1">
+              <a:lnSpc>
+                <a:spcPct val="90000"/>
+              </a:lnSpc>
+              <a:spcBef>
+                <a:spcPts val="600"/>
+              </a:spcBef>
+              <a:buClr>
+                <a:schemeClr val="accent1"/>
+              </a:buClr>
+              <a:buSzPct val="100000"/>
+              <a:buFont typeface="Arial" pitchFamily="34" charset="0"/>
+              <a:buChar char="•"/>
+              <a:defRPr sz="1800" kern="1200">
+                <a:solidFill>
+                  <a:schemeClr val="tx1"/>
+                </a:solidFill>
+                <a:latin typeface="+mn-lt"/>
+                <a:ea typeface="+mn-ea"/>
+                <a:cs typeface="+mn-cs"/>
+              </a:defRPr>
+            </a:lvl3pPr>
+            <a:lvl4pPr marL="857250" indent="-174625" algn="l" defTabSz="914400" rtl="0" eaLnBrk="1" latinLnBrk="0" hangingPunct="1">
+              <a:lnSpc>
+                <a:spcPct val="90000"/>
+              </a:lnSpc>
+              <a:spcBef>
+                <a:spcPts val="600"/>
+              </a:spcBef>
+              <a:buClr>
+                <a:schemeClr val="accent1"/>
+              </a:buClr>
+              <a:buSzPct val="100000"/>
+              <a:buFont typeface="Arial" pitchFamily="34" charset="0"/>
+              <a:buChar char="•"/>
+              <a:defRPr sz="1600" kern="1200">
+                <a:solidFill>
+                  <a:schemeClr val="tx1"/>
+                </a:solidFill>
+                <a:latin typeface="+mn-lt"/>
+                <a:ea typeface="+mn-ea"/>
+                <a:cs typeface="+mn-cs"/>
+              </a:defRPr>
+            </a:lvl4pPr>
+            <a:lvl5pPr marL="1030288" indent="-173038" algn="l" defTabSz="914400" rtl="0" eaLnBrk="1" latinLnBrk="0" hangingPunct="1">
+              <a:lnSpc>
+                <a:spcPct val="90000"/>
+              </a:lnSpc>
+              <a:spcBef>
+                <a:spcPts val="600"/>
+              </a:spcBef>
+              <a:buClr>
+                <a:schemeClr val="accent1"/>
+              </a:buClr>
+              <a:buSzPct val="100000"/>
+              <a:buFont typeface="Arial" pitchFamily="34" charset="0"/>
+              <a:buChar char="•"/>
+              <a:defRPr sz="1600" kern="1200">
+                <a:solidFill>
+                  <a:schemeClr val="tx1"/>
+                </a:solidFill>
+                <a:latin typeface="+mn-lt"/>
+                <a:ea typeface="+mn-ea"/>
+                <a:cs typeface="+mn-cs"/>
+              </a:defRPr>
+            </a:lvl5pPr>
+            <a:lvl6pPr marL="1207008" indent="-173736" algn="l" defTabSz="914400" rtl="0" eaLnBrk="1" latinLnBrk="0" hangingPunct="1">
+              <a:spcBef>
+                <a:spcPts val="600"/>
+              </a:spcBef>
+              <a:buClr>
+                <a:schemeClr val="accent1"/>
+              </a:buClr>
+              <a:buFont typeface="Arial" pitchFamily="34" charset="0"/>
+              <a:buChar char="•"/>
+              <a:defRPr sz="1600" kern="1200">
+                <a:solidFill>
+                  <a:schemeClr val="tx1"/>
+                </a:solidFill>
+                <a:latin typeface="+mn-lt"/>
+                <a:ea typeface="+mn-ea"/>
+                <a:cs typeface="+mn-cs"/>
+              </a:defRPr>
+            </a:lvl6pPr>
+            <a:lvl7pPr marL="1380744" indent="-173736" algn="l" defTabSz="914400" rtl="0" eaLnBrk="1" latinLnBrk="0" hangingPunct="1">
+              <a:spcBef>
+                <a:spcPts val="600"/>
+              </a:spcBef>
+              <a:buClr>
+                <a:schemeClr val="accent1"/>
+              </a:buClr>
+              <a:buFont typeface="Arial" pitchFamily="34" charset="0"/>
+              <a:buChar char="•"/>
+              <a:defRPr sz="1600" kern="1200">
+                <a:solidFill>
+                  <a:schemeClr val="tx1"/>
+                </a:solidFill>
+                <a:latin typeface="+mn-lt"/>
+                <a:ea typeface="+mn-ea"/>
+                <a:cs typeface="+mn-cs"/>
+              </a:defRPr>
+            </a:lvl7pPr>
+            <a:lvl8pPr marL="1554480" indent="-173736" algn="l" defTabSz="914400" rtl="0" eaLnBrk="1" latinLnBrk="0" hangingPunct="1">
+              <a:spcBef>
+                <a:spcPts val="600"/>
+              </a:spcBef>
+              <a:buClr>
+                <a:schemeClr val="accent1"/>
+              </a:buClr>
+              <a:buFont typeface="Arial" pitchFamily="34" charset="0"/>
+              <a:buChar char="•"/>
+              <a:defRPr sz="1600" kern="1200">
+                <a:solidFill>
+                  <a:schemeClr val="tx1"/>
+                </a:solidFill>
+                <a:latin typeface="+mn-lt"/>
+                <a:ea typeface="+mn-ea"/>
+                <a:cs typeface="+mn-cs"/>
+              </a:defRPr>
+            </a:lvl8pPr>
+            <a:lvl9pPr marL="1728216" indent="-173736" algn="l" defTabSz="914400" rtl="0" eaLnBrk="1" latinLnBrk="0" hangingPunct="1">
+              <a:spcBef>
+                <a:spcPts val="600"/>
+              </a:spcBef>
+              <a:buClr>
+                <a:schemeClr val="accent1"/>
+              </a:buClr>
+              <a:buFont typeface="Arial" pitchFamily="34" charset="0"/>
+              <a:buChar char="•"/>
+              <a:defRPr sz="1600" kern="1200">
+                <a:solidFill>
+                  <a:schemeClr val="tx1"/>
+                </a:solidFill>
+                <a:latin typeface="+mn-lt"/>
+                <a:ea typeface="+mn-ea"/>
+                <a:cs typeface="+mn-cs"/>
+              </a:defRPr>
+            </a:lvl9pPr>
+          </a:lstStyle>
+          <a:p>
+            <a:r>
+              <a:rPr lang="en-US" dirty="0"/>
+              <a:t>Isolation with App Service Environments (ASE)</a:t>
+            </a:r>
+          </a:p>
+          <a:p>
+            <a:pPr lvl="1"/>
+            <a:r>
+              <a:rPr lang="en-US" dirty="0"/>
+              <a:t>Fully isolated and dedicated environment for running web apps</a:t>
+            </a:r>
+          </a:p>
+          <a:p>
+            <a:pPr lvl="1"/>
+            <a:r>
+              <a:rPr lang="en-US" dirty="0"/>
+              <a:t>Still managed but dedicated to you to make part of private VNET</a:t>
+            </a:r>
+          </a:p>
+          <a:p>
+            <a:pPr lvl="1"/>
+            <a:r>
+              <a:rPr lang="en-US" dirty="0"/>
+              <a:t>Designed for high scale, high memory utilization (if Non-Isolated isn’t enough for </a:t>
+            </a:r>
+            <a:r>
+              <a:rPr lang="en-US" dirty="0">
+                <a:solidFill>
+                  <a:schemeClr val="accent2">
+                    <a:lumMod val="75000"/>
+                  </a:schemeClr>
+                </a:solidFill>
+              </a:rPr>
+              <a:t>Production</a:t>
+            </a:r>
+            <a:r>
+              <a:rPr lang="en-US" dirty="0"/>
+              <a:t>)</a:t>
+            </a:r>
+          </a:p>
+          <a:p>
+            <a:pPr lvl="1"/>
+            <a:r>
+              <a:rPr lang="en-US" dirty="0"/>
+              <a:t>Isolation and secure network access</a:t>
+            </a:r>
+          </a:p>
+          <a:p>
+            <a:pPr lvl="1"/>
+            <a:r>
+              <a:rPr lang="en-US" dirty="0"/>
+              <a:t>Fine-grained control over network traffic (i.e. Network Security Groups)</a:t>
+            </a:r>
+          </a:p>
+          <a:p>
+            <a:pPr lvl="1"/>
+            <a:r>
+              <a:rPr lang="en-US" dirty="0"/>
+              <a:t>Apps can connect over VPN to on-premises resources</a:t>
+            </a:r>
+          </a:p>
+          <a:p>
+            <a:pPr lvl="1"/>
+            <a:r>
+              <a:rPr lang="en-US" dirty="0"/>
+              <a:t>On-premises Apps can communicate with your Web App running in ASE</a:t>
+            </a:r>
+          </a:p>
+          <a:p>
+            <a:pPr lvl="2"/>
+            <a:endParaRPr lang="en-US" dirty="0"/>
+          </a:p>
+          <a:p>
+            <a:pPr lvl="1"/>
+            <a:endParaRPr lang="en-US" dirty="0"/>
+          </a:p>
+          <a:p>
+            <a:pPr lvl="1"/>
+            <a:endParaRPr lang="en-US" dirty="0"/>
+          </a:p>
+          <a:p>
+            <a:pPr marL="806450" lvl="2" indent="-342900">
+              <a:buFont typeface="+mj-lt"/>
+              <a:buAutoNum type="arabicPeriod"/>
+            </a:pPr>
+            <a:endParaRPr lang="en-US" b="0" i="0" dirty="0">
+              <a:effectLst/>
+              <a:latin typeface="PS TT Commons Roman"/>
+            </a:endParaRPr>
+          </a:p>
+          <a:p>
+            <a:pPr marL="806450" lvl="2" indent="-342900">
+              <a:buFont typeface="+mj-lt"/>
+              <a:buAutoNum type="arabicPeriod"/>
+            </a:pPr>
+            <a:endParaRPr lang="en-US" b="0" i="0" dirty="0">
+              <a:effectLst/>
+              <a:latin typeface="PS TT Commons Roman"/>
+            </a:endParaRPr>
+          </a:p>
+          <a:p>
+            <a:pPr marL="806450" lvl="2" indent="-342900">
+              <a:buFont typeface="+mj-lt"/>
+              <a:buAutoNum type="arabicPeriod"/>
+            </a:pPr>
+            <a:endParaRPr lang="en-US" b="0" i="0" dirty="0">
+              <a:effectLst/>
+              <a:latin typeface="PS TT Commons Roman"/>
+            </a:endParaRPr>
+          </a:p>
+          <a:p>
+            <a:pPr lvl="1"/>
+            <a:endParaRPr lang="en-US" dirty="0"/>
+          </a:p>
+        </p:txBody>
+      </p:sp>
+    </p:spTree>
+    <p:extLst>
+      <p:ext uri="{BB962C8B-B14F-4D97-AF65-F5344CB8AC3E}">
+        <p14:creationId xmlns:p14="http://schemas.microsoft.com/office/powerpoint/2010/main" val="3507737279"/>
       </p:ext>
     </p:extLst>
   </p:cSld>
